--- a/Schizofremia.pptx
+++ b/Schizofremia.pptx
@@ -118,6 +118,32 @@
     </p:ext>
   </p:extLst>
 </p:presentation>
+</file>
+
+<file path=ppt/commentAuthors.xml><?xml version="1.0" encoding="utf-8"?>
+<p:cmAuthorLst xmlns:a="http://schemas.openxmlformats.org/drawingml/2006/main" xmlns:r="http://schemas.openxmlformats.org/officeDocument/2006/relationships" xmlns:p="http://schemas.openxmlformats.org/presentationml/2006/main">
+  <p:cmAuthor id="1" name="Dawid Linek" initials="DL" lastIdx="1" clrIdx="0">
+    <p:extLst>
+      <p:ext uri="{19B8F6BF-5375-455C-9EA6-DF929625EA0E}">
+        <p15:presenceInfo xmlns:p15="http://schemas.microsoft.com/office/powerpoint/2012/main" userId="Dawid Linek" providerId="None"/>
+      </p:ext>
+    </p:extLst>
+  </p:cmAuthor>
+</p:cmAuthorLst>
+</file>
+
+<file path=ppt/comments/comment1.xml><?xml version="1.0" encoding="utf-8"?>
+<p:cmLst xmlns:a="http://schemas.openxmlformats.org/drawingml/2006/main" xmlns:r="http://schemas.openxmlformats.org/officeDocument/2006/relationships" xmlns:p="http://schemas.openxmlformats.org/presentationml/2006/main">
+  <p:cm authorId="1" dt="2019-12-18T21:10:50.153" idx="1">
+    <p:pos x="10" y="10"/>
+    <p:text/>
+    <p:extLst>
+      <p:ext uri="{C676402C-5697-4E1C-873F-D02D1690AC5C}">
+        <p15:threadingInfo xmlns:p15="http://schemas.microsoft.com/office/powerpoint/2012/main" timeZoneBias="-60"/>
+      </p:ext>
+    </p:extLst>
+  </p:cm>
+</p:cmLst>
 </file>
 
 <file path=ppt/slideLayouts/slideLayout1.xml><?xml version="1.0" encoding="utf-8"?>
@@ -3099,6 +3125,45 @@
           </a:xfrm>
         </p:spPr>
       </p:pic>
+      <p:sp>
+        <p:nvSpPr>
+          <p:cNvPr id="7" name="pole tekstowe 6">
+            <a:extLst>
+              <a:ext uri="{FF2B5EF4-FFF2-40B4-BE49-F238E27FC236}">
+                <a16:creationId xmlns:a16="http://schemas.microsoft.com/office/drawing/2014/main" id="{40CE4D2D-42EB-4979-8F61-0082AEBD311B}"/>
+              </a:ext>
+            </a:extLst>
+          </p:cNvPr>
+          <p:cNvSpPr txBox="1"/>
+          <p:nvPr/>
+        </p:nvSpPr>
+        <p:spPr>
+          <a:xfrm>
+            <a:off x="950976" y="37967635"/>
+            <a:ext cx="24067007" cy="2862322"/>
+          </a:xfrm>
+          <a:prstGeom prst="rect">
+            <a:avLst/>
+          </a:prstGeom>
+          <a:noFill/>
+        </p:spPr>
+        <p:txBody>
+          <a:bodyPr wrap="square" rtlCol="0">
+            <a:spAutoFit/>
+          </a:bodyPr>
+          <a:lstStyle/>
+          <a:p>
+            <a:r>
+              <a:rPr lang="pl-PL" sz="18000" dirty="0">
+                <a:solidFill>
+                  <a:schemeClr val="bg1"/>
+                </a:solidFill>
+              </a:rPr>
+              <a:t>(To będzie animacja)</a:t>
+            </a:r>
+          </a:p>
+        </p:txBody>
+      </p:sp>
     </p:spTree>
     <p:extLst>
       <p:ext uri="{BB962C8B-B14F-4D97-AF65-F5344CB8AC3E}">
@@ -3234,7 +3299,12 @@
             <p:ph type="title"/>
           </p:nvPr>
         </p:nvSpPr>
-        <p:spPr/>
+        <p:spPr>
+          <a:xfrm>
+            <a:off x="5947041" y="12578829"/>
+            <a:ext cx="19210139" cy="8353502"/>
+          </a:xfrm>
+        </p:spPr>
         <p:txBody>
           <a:bodyPr/>
           <a:lstStyle/>
@@ -3281,6 +3351,41 @@
           </a:xfrm>
         </p:spPr>
       </p:pic>
+      <p:sp>
+        <p:nvSpPr>
+          <p:cNvPr id="6" name="pole tekstowe 5">
+            <a:extLst>
+              <a:ext uri="{FF2B5EF4-FFF2-40B4-BE49-F238E27FC236}">
+                <a16:creationId xmlns:a16="http://schemas.microsoft.com/office/drawing/2014/main" id="{470740AB-53AB-43FC-B8ED-4624B6135407}"/>
+              </a:ext>
+            </a:extLst>
+          </p:cNvPr>
+          <p:cNvSpPr txBox="1"/>
+          <p:nvPr/>
+        </p:nvSpPr>
+        <p:spPr>
+          <a:xfrm>
+            <a:off x="1243584" y="453331"/>
+            <a:ext cx="21029041" cy="8710077"/>
+          </a:xfrm>
+          <a:prstGeom prst="rect">
+            <a:avLst/>
+          </a:prstGeom>
+          <a:noFill/>
+        </p:spPr>
+        <p:txBody>
+          <a:bodyPr wrap="square" rtlCol="0">
+            <a:spAutoFit/>
+          </a:bodyPr>
+          <a:lstStyle/>
+          <a:p>
+            <a:r>
+              <a:rPr lang="pl-PL" sz="8000" dirty="0"/>
+              <a:t>Jesteś osobą, która idzie chodnikiem, w chmurkach pojawia się „dzień dobry”, „cześć”. Musisz na nie klikać (odpowiadać). Jest 50% szans, że osoba była prawdziwa i jak klikniesz to ekran rozjaśni się trochę. Jeżeli zaś nie to ściemnieje. Wygrywasz gdy będzie biały, przegrywasz gdy czarny. &lt;ustalić wygląd graficzny&gt;</a:t>
+            </a:r>
+          </a:p>
+        </p:txBody>
+      </p:sp>
     </p:spTree>
     <p:extLst>
       <p:ext uri="{BB962C8B-B14F-4D97-AF65-F5344CB8AC3E}">
@@ -3644,6 +3749,41 @@
           </a:extLst>
         </p:spPr>
       </p:pic>
+      <p:sp>
+        <p:nvSpPr>
+          <p:cNvPr id="8" name="pole tekstowe 7">
+            <a:extLst>
+              <a:ext uri="{FF2B5EF4-FFF2-40B4-BE49-F238E27FC236}">
+                <a16:creationId xmlns:a16="http://schemas.microsoft.com/office/drawing/2014/main" id="{72B0C082-81D7-4C88-B890-B09646FDE6DC}"/>
+              </a:ext>
+            </a:extLst>
+          </p:cNvPr>
+          <p:cNvSpPr txBox="1"/>
+          <p:nvPr/>
+        </p:nvSpPr>
+        <p:spPr>
+          <a:xfrm>
+            <a:off x="7426897" y="20177889"/>
+            <a:ext cx="13645896" cy="2862322"/>
+          </a:xfrm>
+          <a:prstGeom prst="rect">
+            <a:avLst/>
+          </a:prstGeom>
+          <a:noFill/>
+        </p:spPr>
+        <p:txBody>
+          <a:bodyPr wrap="square" rtlCol="0">
+            <a:spAutoFit/>
+          </a:bodyPr>
+          <a:lstStyle/>
+          <a:p>
+            <a:r>
+              <a:rPr lang="pl-PL" sz="18000" dirty="0"/>
+              <a:t>&lt;WYBRAĆ&gt;</a:t>
+            </a:r>
+          </a:p>
+        </p:txBody>
+      </p:sp>
     </p:spTree>
     <p:extLst>
       <p:ext uri="{BB962C8B-B14F-4D97-AF65-F5344CB8AC3E}">
@@ -3818,6 +3958,41 @@
           </a:extLst>
         </p:spPr>
       </p:pic>
+      <p:sp>
+        <p:nvSpPr>
+          <p:cNvPr id="7" name="pole tekstowe 6">
+            <a:extLst>
+              <a:ext uri="{FF2B5EF4-FFF2-40B4-BE49-F238E27FC236}">
+                <a16:creationId xmlns:a16="http://schemas.microsoft.com/office/drawing/2014/main" id="{78A800EE-91A7-4B94-A5FF-4CB69038E27F}"/>
+              </a:ext>
+            </a:extLst>
+          </p:cNvPr>
+          <p:cNvSpPr txBox="1"/>
+          <p:nvPr/>
+        </p:nvSpPr>
+        <p:spPr>
+          <a:xfrm>
+            <a:off x="7241696" y="17516713"/>
+            <a:ext cx="13499685" cy="2862322"/>
+          </a:xfrm>
+          <a:prstGeom prst="rect">
+            <a:avLst/>
+          </a:prstGeom>
+          <a:noFill/>
+        </p:spPr>
+        <p:txBody>
+          <a:bodyPr wrap="square" rtlCol="0">
+            <a:spAutoFit/>
+          </a:bodyPr>
+          <a:lstStyle/>
+          <a:p>
+            <a:r>
+              <a:rPr lang="pl-PL" sz="18000" dirty="0"/>
+              <a:t>&lt;WYBRAĆ&gt;</a:t>
+            </a:r>
+          </a:p>
+        </p:txBody>
+      </p:sp>
     </p:spTree>
     <p:extLst>
       <p:ext uri="{BB962C8B-B14F-4D97-AF65-F5344CB8AC3E}">
